--- a/images/ppt/microscribe.pptx
+++ b/images/ppt/microscribe.pptx
@@ -4,6 +4,9 @@
   <p:sldMasterIdLst>
     <p:sldMasterId id="2147483648" r:id="rId1"/>
   </p:sldMasterIdLst>
+  <p:notesMasterIdLst>
+    <p:notesMasterId r:id="rId4"/>
+  </p:notesMasterIdLst>
   <p:sldIdLst>
     <p:sldId id="257" r:id="rId2"/>
     <p:sldId id="256" r:id="rId3"/>
@@ -106,6 +109,442 @@
     </a:lvl9pPr>
   </p:defaultTextStyle>
 </p:presentation>
+</file>
+
+<file path=ppt/notesMasters/notesMaster1.xml><?xml version="1.0" encoding="utf-8"?>
+<p:notesMaster xmlns:a="http://schemas.openxmlformats.org/drawingml/2006/main" xmlns:r="http://schemas.openxmlformats.org/officeDocument/2006/relationships" xmlns:p="http://schemas.openxmlformats.org/presentationml/2006/main">
+  <p:cSld>
+    <p:bg>
+      <p:bgRef idx="1001">
+        <a:schemeClr val="bg1"/>
+      </p:bgRef>
+    </p:bg>
+    <p:spTree>
+      <p:nvGrpSpPr>
+        <p:cNvPr id="1" name=""/>
+        <p:cNvGrpSpPr/>
+        <p:nvPr/>
+      </p:nvGrpSpPr>
+      <p:grpSpPr>
+        <a:xfrm>
+          <a:off x="0" y="0"/>
+          <a:ext cx="0" cy="0"/>
+          <a:chOff x="0" y="0"/>
+          <a:chExt cx="0" cy="0"/>
+        </a:xfrm>
+      </p:grpSpPr>
+      <p:sp>
+        <p:nvSpPr>
+          <p:cNvPr id="2" name="Header Placeholder 1"/>
+          <p:cNvSpPr>
+            <a:spLocks noGrp="1"/>
+          </p:cNvSpPr>
+          <p:nvPr>
+            <p:ph type="hdr" sz="quarter"/>
+          </p:nvPr>
+        </p:nvSpPr>
+        <p:spPr>
+          <a:xfrm>
+            <a:off x="0" y="0"/>
+            <a:ext cx="2971800" cy="458788"/>
+          </a:xfrm>
+          <a:prstGeom prst="rect">
+            <a:avLst/>
+          </a:prstGeom>
+        </p:spPr>
+        <p:txBody>
+          <a:bodyPr vert="horz" lIns="91440" tIns="45720" rIns="91440" bIns="45720" rtlCol="0"/>
+          <a:lstStyle>
+            <a:lvl1pPr algn="l">
+              <a:defRPr sz="1200"/>
+            </a:lvl1pPr>
+          </a:lstStyle>
+          <a:p>
+            <a:endParaRPr lang="en-US"/>
+          </a:p>
+        </p:txBody>
+      </p:sp>
+      <p:sp>
+        <p:nvSpPr>
+          <p:cNvPr id="3" name="Date Placeholder 2"/>
+          <p:cNvSpPr>
+            <a:spLocks noGrp="1"/>
+          </p:cNvSpPr>
+          <p:nvPr>
+            <p:ph type="dt" idx="1"/>
+          </p:nvPr>
+        </p:nvSpPr>
+        <p:spPr>
+          <a:xfrm>
+            <a:off x="3884613" y="0"/>
+            <a:ext cx="2971800" cy="458788"/>
+          </a:xfrm>
+          <a:prstGeom prst="rect">
+            <a:avLst/>
+          </a:prstGeom>
+        </p:spPr>
+        <p:txBody>
+          <a:bodyPr vert="horz" lIns="91440" tIns="45720" rIns="91440" bIns="45720" rtlCol="0"/>
+          <a:lstStyle>
+            <a:lvl1pPr algn="r">
+              <a:defRPr sz="1200"/>
+            </a:lvl1pPr>
+          </a:lstStyle>
+          <a:p>
+            <a:fld id="{44FDA2B5-8FC5-4B81-998B-ACD892485001}" type="datetimeFigureOut">
+              <a:rPr lang="en-US" smtClean="0"/>
+              <a:t>5/26/2025</a:t>
+            </a:fld>
+            <a:endParaRPr lang="en-US"/>
+          </a:p>
+        </p:txBody>
+      </p:sp>
+      <p:sp>
+        <p:nvSpPr>
+          <p:cNvPr id="4" name="Slide Image Placeholder 3"/>
+          <p:cNvSpPr>
+            <a:spLocks noGrp="1" noRot="1" noChangeAspect="1"/>
+          </p:cNvSpPr>
+          <p:nvPr>
+            <p:ph type="sldImg" idx="2"/>
+          </p:nvPr>
+        </p:nvSpPr>
+        <p:spPr>
+          <a:xfrm>
+            <a:off x="685800" y="1143000"/>
+            <a:ext cx="5486400" cy="3086100"/>
+          </a:xfrm>
+          <a:prstGeom prst="rect">
+            <a:avLst/>
+          </a:prstGeom>
+          <a:noFill/>
+          <a:ln w="12700">
+            <a:solidFill>
+              <a:prstClr val="black"/>
+            </a:solidFill>
+          </a:ln>
+        </p:spPr>
+        <p:txBody>
+          <a:bodyPr vert="horz" lIns="91440" tIns="45720" rIns="91440" bIns="45720" rtlCol="0" anchor="ctr"/>
+          <a:lstStyle/>
+          <a:p>
+            <a:endParaRPr lang="en-US"/>
+          </a:p>
+        </p:txBody>
+      </p:sp>
+      <p:sp>
+        <p:nvSpPr>
+          <p:cNvPr id="5" name="Notes Placeholder 4"/>
+          <p:cNvSpPr>
+            <a:spLocks noGrp="1"/>
+          </p:cNvSpPr>
+          <p:nvPr>
+            <p:ph type="body" sz="quarter" idx="3"/>
+          </p:nvPr>
+        </p:nvSpPr>
+        <p:spPr>
+          <a:xfrm>
+            <a:off x="685800" y="4400550"/>
+            <a:ext cx="5486400" cy="3600450"/>
+          </a:xfrm>
+          <a:prstGeom prst="rect">
+            <a:avLst/>
+          </a:prstGeom>
+        </p:spPr>
+        <p:txBody>
+          <a:bodyPr vert="horz" lIns="91440" tIns="45720" rIns="91440" bIns="45720" rtlCol="0"/>
+          <a:lstStyle/>
+          <a:p>
+            <a:pPr lvl="0"/>
+            <a:r>
+              <a:rPr lang="en-US"/>
+              <a:t>Click to edit Master text styles</a:t>
+            </a:r>
+          </a:p>
+          <a:p>
+            <a:pPr lvl="1"/>
+            <a:r>
+              <a:rPr lang="en-US"/>
+              <a:t>Second level</a:t>
+            </a:r>
+          </a:p>
+          <a:p>
+            <a:pPr lvl="2"/>
+            <a:r>
+              <a:rPr lang="en-US"/>
+              <a:t>Third level</a:t>
+            </a:r>
+          </a:p>
+          <a:p>
+            <a:pPr lvl="3"/>
+            <a:r>
+              <a:rPr lang="en-US"/>
+              <a:t>Fourth level</a:t>
+            </a:r>
+          </a:p>
+          <a:p>
+            <a:pPr lvl="4"/>
+            <a:r>
+              <a:rPr lang="en-US"/>
+              <a:t>Fifth level</a:t>
+            </a:r>
+          </a:p>
+        </p:txBody>
+      </p:sp>
+      <p:sp>
+        <p:nvSpPr>
+          <p:cNvPr id="6" name="Footer Placeholder 5"/>
+          <p:cNvSpPr>
+            <a:spLocks noGrp="1"/>
+          </p:cNvSpPr>
+          <p:nvPr>
+            <p:ph type="ftr" sz="quarter" idx="4"/>
+          </p:nvPr>
+        </p:nvSpPr>
+        <p:spPr>
+          <a:xfrm>
+            <a:off x="0" y="8685213"/>
+            <a:ext cx="2971800" cy="458787"/>
+          </a:xfrm>
+          <a:prstGeom prst="rect">
+            <a:avLst/>
+          </a:prstGeom>
+        </p:spPr>
+        <p:txBody>
+          <a:bodyPr vert="horz" lIns="91440" tIns="45720" rIns="91440" bIns="45720" rtlCol="0" anchor="b"/>
+          <a:lstStyle>
+            <a:lvl1pPr algn="l">
+              <a:defRPr sz="1200"/>
+            </a:lvl1pPr>
+          </a:lstStyle>
+          <a:p>
+            <a:endParaRPr lang="en-US"/>
+          </a:p>
+        </p:txBody>
+      </p:sp>
+      <p:sp>
+        <p:nvSpPr>
+          <p:cNvPr id="7" name="Slide Number Placeholder 6"/>
+          <p:cNvSpPr>
+            <a:spLocks noGrp="1"/>
+          </p:cNvSpPr>
+          <p:nvPr>
+            <p:ph type="sldNum" sz="quarter" idx="5"/>
+          </p:nvPr>
+        </p:nvSpPr>
+        <p:spPr>
+          <a:xfrm>
+            <a:off x="3884613" y="8685213"/>
+            <a:ext cx="2971800" cy="458787"/>
+          </a:xfrm>
+          <a:prstGeom prst="rect">
+            <a:avLst/>
+          </a:prstGeom>
+        </p:spPr>
+        <p:txBody>
+          <a:bodyPr vert="horz" lIns="91440" tIns="45720" rIns="91440" bIns="45720" rtlCol="0" anchor="b"/>
+          <a:lstStyle>
+            <a:lvl1pPr algn="r">
+              <a:defRPr sz="1200"/>
+            </a:lvl1pPr>
+          </a:lstStyle>
+          <a:p>
+            <a:fld id="{ADC6DCC6-E4E3-4BCC-8FFD-EE445334EA17}" type="slidenum">
+              <a:rPr lang="en-US" smtClean="0"/>
+              <a:t>‹#›</a:t>
+            </a:fld>
+            <a:endParaRPr lang="en-US"/>
+          </a:p>
+        </p:txBody>
+      </p:sp>
+    </p:spTree>
+    <p:extLst>
+      <p:ext uri="{BB962C8B-B14F-4D97-AF65-F5344CB8AC3E}">
+        <p14:creationId xmlns:p14="http://schemas.microsoft.com/office/powerpoint/2010/main" val="1920725868"/>
+      </p:ext>
+    </p:extLst>
+  </p:cSld>
+  <p:clrMap bg1="lt1" tx1="dk1" bg2="lt2" tx2="dk2" accent1="accent1" accent2="accent2" accent3="accent3" accent4="accent4" accent5="accent5" accent6="accent6" hlink="hlink" folHlink="folHlink"/>
+  <p:notesStyle>
+    <a:lvl1pPr marL="0" algn="l" defTabSz="914400" rtl="0" eaLnBrk="1" latinLnBrk="0" hangingPunct="1">
+      <a:defRPr sz="1200" kern="1200">
+        <a:solidFill>
+          <a:schemeClr val="tx1"/>
+        </a:solidFill>
+        <a:latin typeface="+mn-lt"/>
+        <a:ea typeface="+mn-ea"/>
+        <a:cs typeface="+mn-cs"/>
+      </a:defRPr>
+    </a:lvl1pPr>
+    <a:lvl2pPr marL="457200" algn="l" defTabSz="914400" rtl="0" eaLnBrk="1" latinLnBrk="0" hangingPunct="1">
+      <a:defRPr sz="1200" kern="1200">
+        <a:solidFill>
+          <a:schemeClr val="tx1"/>
+        </a:solidFill>
+        <a:latin typeface="+mn-lt"/>
+        <a:ea typeface="+mn-ea"/>
+        <a:cs typeface="+mn-cs"/>
+      </a:defRPr>
+    </a:lvl2pPr>
+    <a:lvl3pPr marL="914400" algn="l" defTabSz="914400" rtl="0" eaLnBrk="1" latinLnBrk="0" hangingPunct="1">
+      <a:defRPr sz="1200" kern="1200">
+        <a:solidFill>
+          <a:schemeClr val="tx1"/>
+        </a:solidFill>
+        <a:latin typeface="+mn-lt"/>
+        <a:ea typeface="+mn-ea"/>
+        <a:cs typeface="+mn-cs"/>
+      </a:defRPr>
+    </a:lvl3pPr>
+    <a:lvl4pPr marL="1371600" algn="l" defTabSz="914400" rtl="0" eaLnBrk="1" latinLnBrk="0" hangingPunct="1">
+      <a:defRPr sz="1200" kern="1200">
+        <a:solidFill>
+          <a:schemeClr val="tx1"/>
+        </a:solidFill>
+        <a:latin typeface="+mn-lt"/>
+        <a:ea typeface="+mn-ea"/>
+        <a:cs typeface="+mn-cs"/>
+      </a:defRPr>
+    </a:lvl4pPr>
+    <a:lvl5pPr marL="1828800" algn="l" defTabSz="914400" rtl="0" eaLnBrk="1" latinLnBrk="0" hangingPunct="1">
+      <a:defRPr sz="1200" kern="1200">
+        <a:solidFill>
+          <a:schemeClr val="tx1"/>
+        </a:solidFill>
+        <a:latin typeface="+mn-lt"/>
+        <a:ea typeface="+mn-ea"/>
+        <a:cs typeface="+mn-cs"/>
+      </a:defRPr>
+    </a:lvl5pPr>
+    <a:lvl6pPr marL="2286000" algn="l" defTabSz="914400" rtl="0" eaLnBrk="1" latinLnBrk="0" hangingPunct="1">
+      <a:defRPr sz="1200" kern="1200">
+        <a:solidFill>
+          <a:schemeClr val="tx1"/>
+        </a:solidFill>
+        <a:latin typeface="+mn-lt"/>
+        <a:ea typeface="+mn-ea"/>
+        <a:cs typeface="+mn-cs"/>
+      </a:defRPr>
+    </a:lvl6pPr>
+    <a:lvl7pPr marL="2743200" algn="l" defTabSz="914400" rtl="0" eaLnBrk="1" latinLnBrk="0" hangingPunct="1">
+      <a:defRPr sz="1200" kern="1200">
+        <a:solidFill>
+          <a:schemeClr val="tx1"/>
+        </a:solidFill>
+        <a:latin typeface="+mn-lt"/>
+        <a:ea typeface="+mn-ea"/>
+        <a:cs typeface="+mn-cs"/>
+      </a:defRPr>
+    </a:lvl7pPr>
+    <a:lvl8pPr marL="3200400" algn="l" defTabSz="914400" rtl="0" eaLnBrk="1" latinLnBrk="0" hangingPunct="1">
+      <a:defRPr sz="1200" kern="1200">
+        <a:solidFill>
+          <a:schemeClr val="tx1"/>
+        </a:solidFill>
+        <a:latin typeface="+mn-lt"/>
+        <a:ea typeface="+mn-ea"/>
+        <a:cs typeface="+mn-cs"/>
+      </a:defRPr>
+    </a:lvl8pPr>
+    <a:lvl9pPr marL="3657600" algn="l" defTabSz="914400" rtl="0" eaLnBrk="1" latinLnBrk="0" hangingPunct="1">
+      <a:defRPr sz="1200" kern="1200">
+        <a:solidFill>
+          <a:schemeClr val="tx1"/>
+        </a:solidFill>
+        <a:latin typeface="+mn-lt"/>
+        <a:ea typeface="+mn-ea"/>
+        <a:cs typeface="+mn-cs"/>
+      </a:defRPr>
+    </a:lvl9pPr>
+  </p:notesStyle>
+</p:notesMaster>
+</file>
+
+<file path=ppt/notesSlides/notesSlide1.xml><?xml version="1.0" encoding="utf-8"?>
+<p:notes xmlns:a="http://schemas.openxmlformats.org/drawingml/2006/main" xmlns:r="http://schemas.openxmlformats.org/officeDocument/2006/relationships" xmlns:p="http://schemas.openxmlformats.org/presentationml/2006/main">
+  <p:cSld>
+    <p:spTree>
+      <p:nvGrpSpPr>
+        <p:cNvPr id="1" name=""/>
+        <p:cNvGrpSpPr/>
+        <p:nvPr/>
+      </p:nvGrpSpPr>
+      <p:grpSpPr>
+        <a:xfrm>
+          <a:off x="0" y="0"/>
+          <a:ext cx="0" cy="0"/>
+          <a:chOff x="0" y="0"/>
+          <a:chExt cx="0" cy="0"/>
+        </a:xfrm>
+      </p:grpSpPr>
+      <p:sp>
+        <p:nvSpPr>
+          <p:cNvPr id="2" name="Slide Image Placeholder 1"/>
+          <p:cNvSpPr>
+            <a:spLocks noGrp="1" noRot="1" noChangeAspect="1"/>
+          </p:cNvSpPr>
+          <p:nvPr>
+            <p:ph type="sldImg"/>
+          </p:nvPr>
+        </p:nvSpPr>
+        <p:spPr/>
+      </p:sp>
+      <p:sp>
+        <p:nvSpPr>
+          <p:cNvPr id="3" name="Notes Placeholder 2"/>
+          <p:cNvSpPr>
+            <a:spLocks noGrp="1"/>
+          </p:cNvSpPr>
+          <p:nvPr>
+            <p:ph type="body" idx="1"/>
+          </p:nvPr>
+        </p:nvSpPr>
+        <p:spPr/>
+        <p:txBody>
+          <a:bodyPr/>
+          <a:lstStyle/>
+          <a:p>
+            <a:r>
+              <a:rPr lang="en-US" dirty="0"/>
+              <a:t>The main reason for doing this is the SDK includes C code to interface with the Microscribe, which fits well on the Arduino. It’s also convenient that there’s a UART to USB onboard. I will eventually write a Python version, so that we can cut out the Arduino.</a:t>
+            </a:r>
+          </a:p>
+        </p:txBody>
+      </p:sp>
+      <p:sp>
+        <p:nvSpPr>
+          <p:cNvPr id="4" name="Slide Number Placeholder 3"/>
+          <p:cNvSpPr>
+            <a:spLocks noGrp="1"/>
+          </p:cNvSpPr>
+          <p:nvPr>
+            <p:ph type="sldNum" sz="quarter" idx="5"/>
+          </p:nvPr>
+        </p:nvSpPr>
+        <p:spPr/>
+        <p:txBody>
+          <a:bodyPr/>
+          <a:lstStyle/>
+          <a:p>
+            <a:fld id="{ADC6DCC6-E4E3-4BCC-8FFD-EE445334EA17}" type="slidenum">
+              <a:rPr lang="en-US" smtClean="0"/>
+              <a:t>1</a:t>
+            </a:fld>
+            <a:endParaRPr lang="en-US"/>
+          </a:p>
+        </p:txBody>
+      </p:sp>
+    </p:spTree>
+    <p:extLst>
+      <p:ext uri="{BB962C8B-B14F-4D97-AF65-F5344CB8AC3E}">
+        <p14:creationId xmlns:p14="http://schemas.microsoft.com/office/powerpoint/2010/main" val="2675866131"/>
+      </p:ext>
+    </p:extLst>
+  </p:cSld>
+  <p:clrMapOvr>
+    <a:masterClrMapping/>
+  </p:clrMapOvr>
+</p:notes>
 </file>
 
 <file path=ppt/slideLayouts/slideLayout1.xml><?xml version="1.0" encoding="utf-8"?>
@@ -3324,6 +3763,58 @@
       </p:grpSpPr>
       <p:sp>
         <p:nvSpPr>
+          <p:cNvPr id="133" name="Rectangle 132">
+            <a:extLst>
+              <a:ext uri="{FF2B5EF4-FFF2-40B4-BE49-F238E27FC236}">
+                <a16:creationId xmlns:a16="http://schemas.microsoft.com/office/drawing/2014/main" id="{62901387-2282-C9DA-B040-E76C672830D5}"/>
+              </a:ext>
+            </a:extLst>
+          </p:cNvPr>
+          <p:cNvSpPr/>
+          <p:nvPr/>
+        </p:nvSpPr>
+        <p:spPr>
+          <a:xfrm>
+            <a:off x="346494" y="1207698"/>
+            <a:ext cx="11499011" cy="4019910"/>
+          </a:xfrm>
+          <a:prstGeom prst="rect">
+            <a:avLst/>
+          </a:prstGeom>
+          <a:solidFill>
+            <a:schemeClr val="bg1"/>
+          </a:solidFill>
+          <a:ln>
+            <a:noFill/>
+          </a:ln>
+        </p:spPr>
+        <p:style>
+          <a:lnRef idx="2">
+            <a:schemeClr val="accent1">
+              <a:shade val="15000"/>
+            </a:schemeClr>
+          </a:lnRef>
+          <a:fillRef idx="1">
+            <a:schemeClr val="accent1"/>
+          </a:fillRef>
+          <a:effectRef idx="0">
+            <a:schemeClr val="accent1"/>
+          </a:effectRef>
+          <a:fontRef idx="minor">
+            <a:schemeClr val="lt1"/>
+          </a:fontRef>
+        </p:style>
+        <p:txBody>
+          <a:bodyPr rtlCol="0" anchor="ctr"/>
+          <a:lstStyle/>
+          <a:p>
+            <a:pPr algn="ctr"/>
+            <a:endParaRPr lang="en-US"/>
+          </a:p>
+        </p:txBody>
+      </p:sp>
+      <p:sp>
+        <p:nvSpPr>
           <p:cNvPr id="3" name="TextBox 2">
             <a:extLst>
               <a:ext uri="{FF2B5EF4-FFF2-40B4-BE49-F238E27FC236}">
@@ -3385,7 +3876,7 @@
         <p:spPr>
           <a:xfrm>
             <a:off x="3953773" y="3023548"/>
-            <a:ext cx="1332781" cy="369332"/>
+            <a:ext cx="1028699" cy="369332"/>
           </a:xfrm>
           <a:prstGeom prst="rect">
             <a:avLst/>
@@ -3413,7 +3904,7 @@
           <a:p>
             <a:r>
               <a:rPr lang="en-US" dirty="0"/>
-              <a:t>USB-UART</a:t>
+              <a:t>USB-TTL</a:t>
             </a:r>
           </a:p>
         </p:txBody>
@@ -3432,7 +3923,7 @@
         </p:nvSpPr>
         <p:spPr>
           <a:xfrm>
-            <a:off x="5471303" y="3023547"/>
+            <a:off x="5246297" y="3023547"/>
             <a:ext cx="1190445" cy="369332"/>
           </a:xfrm>
           <a:prstGeom prst="rect">
@@ -3461,7 +3952,7 @@
           <a:p>
             <a:r>
               <a:rPr lang="en-US" dirty="0"/>
-              <a:t>Arduino </a:t>
+              <a:t>MCU </a:t>
             </a:r>
           </a:p>
         </p:txBody>
@@ -3509,7 +4000,7 @@
           <a:p>
             <a:r>
               <a:rPr lang="en-US" dirty="0"/>
-              <a:t>UART-RS232</a:t>
+              <a:t>TTL-RS232</a:t>
             </a:r>
           </a:p>
         </p:txBody>
@@ -3564,23 +4055,24 @@
       </p:sp>
       <p:cxnSp>
         <p:nvCxnSpPr>
-          <p:cNvPr id="14" name="Straight Arrow Connector 13">
-            <a:extLst>
-              <a:ext uri="{FF2B5EF4-FFF2-40B4-BE49-F238E27FC236}">
-                <a16:creationId xmlns:a16="http://schemas.microsoft.com/office/drawing/2014/main" id="{F5399C05-8200-930C-0BA1-E5DBCB2CC3EB}"/>
+          <p:cNvPr id="16" name="Straight Arrow Connector 15">
+            <a:extLst>
+              <a:ext uri="{FF2B5EF4-FFF2-40B4-BE49-F238E27FC236}">
+                <a16:creationId xmlns:a16="http://schemas.microsoft.com/office/drawing/2014/main" id="{0AE1BD4A-1B08-A7FE-A547-5AD7F2C07A20}"/>
               </a:ext>
             </a:extLst>
           </p:cNvPr>
           <p:cNvCxnSpPr>
             <a:cxnSpLocks/>
-            <a:stCxn id="4" idx="3"/>
+            <a:stCxn id="5" idx="3"/>
+            <a:endCxn id="6" idx="1"/>
           </p:cNvCxnSpPr>
           <p:nvPr/>
         </p:nvCxnSpPr>
         <p:spPr>
           <a:xfrm>
-            <a:off x="5286554" y="3208214"/>
-            <a:ext cx="199489" cy="0"/>
+            <a:off x="6436742" y="3208213"/>
+            <a:ext cx="460793" cy="0"/>
           </a:xfrm>
           <a:prstGeom prst="straightConnector1">
             <a:avLst/>
@@ -3605,66 +4097,22 @@
           </a:fontRef>
         </p:style>
       </p:cxnSp>
-      <p:cxnSp>
-        <p:nvCxnSpPr>
-          <p:cNvPr id="16" name="Straight Arrow Connector 15">
-            <a:extLst>
-              <a:ext uri="{FF2B5EF4-FFF2-40B4-BE49-F238E27FC236}">
-                <a16:creationId xmlns:a16="http://schemas.microsoft.com/office/drawing/2014/main" id="{0AE1BD4A-1B08-A7FE-A547-5AD7F2C07A20}"/>
-              </a:ext>
-            </a:extLst>
-          </p:cNvPr>
-          <p:cNvCxnSpPr>
-            <a:cxnSpLocks/>
-            <a:stCxn id="5" idx="3"/>
-            <a:endCxn id="6" idx="1"/>
-          </p:cNvCxnSpPr>
+      <p:sp>
+        <p:nvSpPr>
+          <p:cNvPr id="27" name="Rectangle: Rounded Corners 26">
+            <a:extLst>
+              <a:ext uri="{FF2B5EF4-FFF2-40B4-BE49-F238E27FC236}">
+                <a16:creationId xmlns:a16="http://schemas.microsoft.com/office/drawing/2014/main" id="{6A9BB95E-C012-0F5C-2A49-05CAE3207EA8}"/>
+              </a:ext>
+            </a:extLst>
+          </p:cNvPr>
+          <p:cNvSpPr/>
           <p:nvPr/>
-        </p:nvCxnSpPr>
+        </p:nvSpPr>
         <p:spPr>
           <a:xfrm>
-            <a:off x="6661748" y="3208213"/>
-            <a:ext cx="235787" cy="0"/>
-          </a:xfrm>
-          <a:prstGeom prst="straightConnector1">
-            <a:avLst/>
-          </a:prstGeom>
-          <a:ln>
-            <a:headEnd type="triangle"/>
-            <a:tailEnd type="triangle"/>
-          </a:ln>
-        </p:spPr>
-        <p:style>
-          <a:lnRef idx="2">
-            <a:schemeClr val="dk1"/>
-          </a:lnRef>
-          <a:fillRef idx="0">
-            <a:schemeClr val="dk1"/>
-          </a:fillRef>
-          <a:effectRef idx="1">
-            <a:schemeClr val="dk1"/>
-          </a:effectRef>
-          <a:fontRef idx="minor">
-            <a:schemeClr val="tx1"/>
-          </a:fontRef>
-        </p:style>
-      </p:cxnSp>
-      <p:sp>
-        <p:nvSpPr>
-          <p:cNvPr id="27" name="Rectangle: Rounded Corners 26">
-            <a:extLst>
-              <a:ext uri="{FF2B5EF4-FFF2-40B4-BE49-F238E27FC236}">
-                <a16:creationId xmlns:a16="http://schemas.microsoft.com/office/drawing/2014/main" id="{6A9BB95E-C012-0F5C-2A49-05CAE3207EA8}"/>
-              </a:ext>
-            </a:extLst>
-          </p:cNvPr>
-          <p:cNvSpPr/>
-          <p:nvPr/>
-        </p:nvSpPr>
-        <p:spPr>
-          <a:xfrm>
-            <a:off x="3627407" y="2169544"/>
-            <a:ext cx="4937185" cy="2087591"/>
+            <a:off x="3740270" y="2169544"/>
+            <a:ext cx="2847073" cy="2087591"/>
           </a:xfrm>
           <a:prstGeom prst="roundRect">
             <a:avLst/>
@@ -3713,7 +4161,7 @@
         </p:nvSpPr>
         <p:spPr>
           <a:xfrm>
-            <a:off x="1990547" y="2461708"/>
+            <a:off x="1972934" y="2523102"/>
             <a:ext cx="1663459" cy="646331"/>
           </a:xfrm>
           <a:prstGeom prst="rect">
@@ -3997,6 +4445,83 @@
           </a:fillRef>
           <a:effectRef idx="1">
             <a:schemeClr val="accent1"/>
+          </a:effectRef>
+          <a:fontRef idx="minor">
+            <a:schemeClr val="tx1"/>
+          </a:fontRef>
+        </p:style>
+      </p:cxnSp>
+      <p:sp>
+        <p:nvSpPr>
+          <p:cNvPr id="132" name="TextBox 131">
+            <a:extLst>
+              <a:ext uri="{FF2B5EF4-FFF2-40B4-BE49-F238E27FC236}">
+                <a16:creationId xmlns:a16="http://schemas.microsoft.com/office/drawing/2014/main" id="{CBB64531-81EC-7F7B-D58C-D79BEF58C54C}"/>
+              </a:ext>
+            </a:extLst>
+          </p:cNvPr>
+          <p:cNvSpPr txBox="1"/>
+          <p:nvPr/>
+        </p:nvSpPr>
+        <p:spPr>
+          <a:xfrm>
+            <a:off x="4697621" y="2227213"/>
+            <a:ext cx="1097352" cy="369332"/>
+          </a:xfrm>
+          <a:prstGeom prst="rect">
+            <a:avLst/>
+          </a:prstGeom>
+          <a:noFill/>
+        </p:spPr>
+        <p:txBody>
+          <a:bodyPr wrap="square" rtlCol="0">
+            <a:spAutoFit/>
+          </a:bodyPr>
+          <a:lstStyle/>
+          <a:p>
+            <a:r>
+              <a:rPr lang="en-US" dirty="0"/>
+              <a:t>Arduino</a:t>
+            </a:r>
+          </a:p>
+        </p:txBody>
+      </p:sp>
+      <p:cxnSp>
+        <p:nvCxnSpPr>
+          <p:cNvPr id="135" name="Straight Arrow Connector 134">
+            <a:extLst>
+              <a:ext uri="{FF2B5EF4-FFF2-40B4-BE49-F238E27FC236}">
+                <a16:creationId xmlns:a16="http://schemas.microsoft.com/office/drawing/2014/main" id="{5196309F-7711-08FA-1B57-5F3A8F6ED693}"/>
+              </a:ext>
+            </a:extLst>
+          </p:cNvPr>
+          <p:cNvCxnSpPr>
+            <a:stCxn id="4" idx="3"/>
+          </p:cNvCxnSpPr>
+          <p:nvPr/>
+        </p:nvCxnSpPr>
+        <p:spPr>
+          <a:xfrm flipV="1">
+            <a:off x="4982472" y="3200400"/>
+            <a:ext cx="263825" cy="7814"/>
+          </a:xfrm>
+          <a:prstGeom prst="straightConnector1">
+            <a:avLst/>
+          </a:prstGeom>
+          <a:ln>
+            <a:headEnd type="triangle"/>
+            <a:tailEnd type="triangle"/>
+          </a:ln>
+        </p:spPr>
+        <p:style>
+          <a:lnRef idx="2">
+            <a:schemeClr val="dk1"/>
+          </a:lnRef>
+          <a:fillRef idx="0">
+            <a:schemeClr val="dk1"/>
+          </a:fillRef>
+          <a:effectRef idx="1">
+            <a:schemeClr val="dk1"/>
           </a:effectRef>
           <a:fontRef idx="minor">
             <a:schemeClr val="tx1"/>
@@ -4221,56 +4746,6 @@
           </a:fontRef>
         </p:style>
       </p:cxnSp>
-      <p:sp>
-        <p:nvSpPr>
-          <p:cNvPr id="17" name="Rectangle: Rounded Corners 16">
-            <a:extLst>
-              <a:ext uri="{FF2B5EF4-FFF2-40B4-BE49-F238E27FC236}">
-                <a16:creationId xmlns:a16="http://schemas.microsoft.com/office/drawing/2014/main" id="{4AD81C6C-1EA5-32FD-640C-DC35362B2F5C}"/>
-              </a:ext>
-            </a:extLst>
-          </p:cNvPr>
-          <p:cNvSpPr/>
-          <p:nvPr/>
-        </p:nvSpPr>
-        <p:spPr>
-          <a:xfrm>
-            <a:off x="5480649" y="2083200"/>
-            <a:ext cx="2114910" cy="2087591"/>
-          </a:xfrm>
-          <a:prstGeom prst="roundRect">
-            <a:avLst/>
-          </a:prstGeom>
-          <a:noFill/>
-          <a:ln>
-            <a:prstDash val="sysDash"/>
-          </a:ln>
-        </p:spPr>
-        <p:style>
-          <a:lnRef idx="2">
-            <a:schemeClr val="accent1">
-              <a:shade val="15000"/>
-            </a:schemeClr>
-          </a:lnRef>
-          <a:fillRef idx="1">
-            <a:schemeClr val="accent1"/>
-          </a:fillRef>
-          <a:effectRef idx="0">
-            <a:schemeClr val="accent1"/>
-          </a:effectRef>
-          <a:fontRef idx="minor">
-            <a:schemeClr val="lt1"/>
-          </a:fontRef>
-        </p:style>
-        <p:txBody>
-          <a:bodyPr rtlCol="0" anchor="ctr"/>
-          <a:lstStyle/>
-          <a:p>
-            <a:pPr algn="ctr"/>
-            <a:endParaRPr lang="en-US"/>
-          </a:p>
-        </p:txBody>
-      </p:sp>
       <p:cxnSp>
         <p:nvCxnSpPr>
           <p:cNvPr id="18" name="Straight Arrow Connector 17">
@@ -4749,4 +5224,319 @@
     </a:ext>
   </a:extLst>
 </a:theme>
+</file>
+
+<file path=ppt/theme/theme2.xml><?xml version="1.0" encoding="utf-8"?>
+<a:theme xmlns:a="http://schemas.openxmlformats.org/drawingml/2006/main" name="Office Theme">
+  <a:themeElements>
+    <a:clrScheme name="Office">
+      <a:dk1>
+        <a:sysClr val="windowText" lastClr="000000"/>
+      </a:dk1>
+      <a:lt1>
+        <a:sysClr val="window" lastClr="FFFFFF"/>
+      </a:lt1>
+      <a:dk2>
+        <a:srgbClr val="0E2841"/>
+      </a:dk2>
+      <a:lt2>
+        <a:srgbClr val="E8E8E8"/>
+      </a:lt2>
+      <a:accent1>
+        <a:srgbClr val="156082"/>
+      </a:accent1>
+      <a:accent2>
+        <a:srgbClr val="E97132"/>
+      </a:accent2>
+      <a:accent3>
+        <a:srgbClr val="196B24"/>
+      </a:accent3>
+      <a:accent4>
+        <a:srgbClr val="0F9ED5"/>
+      </a:accent4>
+      <a:accent5>
+        <a:srgbClr val="A02B93"/>
+      </a:accent5>
+      <a:accent6>
+        <a:srgbClr val="4EA72E"/>
+      </a:accent6>
+      <a:hlink>
+        <a:srgbClr val="467886"/>
+      </a:hlink>
+      <a:folHlink>
+        <a:srgbClr val="96607D"/>
+      </a:folHlink>
+    </a:clrScheme>
+    <a:fontScheme name="Office">
+      <a:majorFont>
+        <a:latin typeface="Aptos Display" panose="02110004020202020204"/>
+        <a:ea typeface=""/>
+        <a:cs typeface=""/>
+        <a:font script="Jpan" typeface="游ゴシック Light"/>
+        <a:font script="Hang" typeface="맑은 고딕"/>
+        <a:font script="Hans" typeface="等线 Light"/>
+        <a:font script="Hant" typeface="新細明體"/>
+        <a:font script="Arab" typeface="Times New Roman"/>
+        <a:font script="Hebr" typeface="Times New Roman"/>
+        <a:font script="Thai" typeface="Angsana New"/>
+        <a:font script="Ethi" typeface="Nyala"/>
+        <a:font script="Beng" typeface="Vrinda"/>
+        <a:font script="Gujr" typeface="Shruti"/>
+        <a:font script="Khmr" typeface="MoolBoran"/>
+        <a:font script="Knda" typeface="Tunga"/>
+        <a:font script="Guru" typeface="Raavi"/>
+        <a:font script="Cans" typeface="Euphemia"/>
+        <a:font script="Cher" typeface="Plantagenet Cherokee"/>
+        <a:font script="Yiii" typeface="Microsoft Yi Baiti"/>
+        <a:font script="Tibt" typeface="Microsoft Himalaya"/>
+        <a:font script="Thaa" typeface="MV Boli"/>
+        <a:font script="Deva" typeface="Mangal"/>
+        <a:font script="Telu" typeface="Gautami"/>
+        <a:font script="Taml" typeface="Latha"/>
+        <a:font script="Syrc" typeface="Estrangelo Edessa"/>
+        <a:font script="Orya" typeface="Kalinga"/>
+        <a:font script="Mlym" typeface="Kartika"/>
+        <a:font script="Laoo" typeface="DokChampa"/>
+        <a:font script="Sinh" typeface="Iskoola Pota"/>
+        <a:font script="Mong" typeface="Mongolian Baiti"/>
+        <a:font script="Viet" typeface="Times New Roman"/>
+        <a:font script="Uigh" typeface="Microsoft Uighur"/>
+        <a:font script="Geor" typeface="Sylfaen"/>
+        <a:font script="Armn" typeface="Arial"/>
+        <a:font script="Bugi" typeface="Leelawadee UI"/>
+        <a:font script="Bopo" typeface="Microsoft JhengHei"/>
+        <a:font script="Java" typeface="Javanese Text"/>
+        <a:font script="Lisu" typeface="Segoe UI"/>
+        <a:font script="Mymr" typeface="Myanmar Text"/>
+        <a:font script="Nkoo" typeface="Ebrima"/>
+        <a:font script="Olck" typeface="Nirmala UI"/>
+        <a:font script="Osma" typeface="Ebrima"/>
+        <a:font script="Phag" typeface="Phagspa"/>
+        <a:font script="Syrn" typeface="Estrangelo Edessa"/>
+        <a:font script="Syrj" typeface="Estrangelo Edessa"/>
+        <a:font script="Syre" typeface="Estrangelo Edessa"/>
+        <a:font script="Sora" typeface="Nirmala UI"/>
+        <a:font script="Tale" typeface="Microsoft Tai Le"/>
+        <a:font script="Talu" typeface="Microsoft New Tai Lue"/>
+        <a:font script="Tfng" typeface="Ebrima"/>
+      </a:majorFont>
+      <a:minorFont>
+        <a:latin typeface="Aptos" panose="02110004020202020204"/>
+        <a:ea typeface=""/>
+        <a:cs typeface=""/>
+        <a:font script="Jpan" typeface="游ゴシック"/>
+        <a:font script="Hang" typeface="맑은 고딕"/>
+        <a:font script="Hans" typeface="等线"/>
+        <a:font script="Hant" typeface="新細明體"/>
+        <a:font script="Arab" typeface="Arial"/>
+        <a:font script="Hebr" typeface="Arial"/>
+        <a:font script="Thai" typeface="Cordia New"/>
+        <a:font script="Ethi" typeface="Nyala"/>
+        <a:font script="Beng" typeface="Vrinda"/>
+        <a:font script="Gujr" typeface="Shruti"/>
+        <a:font script="Khmr" typeface="DaunPenh"/>
+        <a:font script="Knda" typeface="Tunga"/>
+        <a:font script="Guru" typeface="Raavi"/>
+        <a:font script="Cans" typeface="Euphemia"/>
+        <a:font script="Cher" typeface="Plantagenet Cherokee"/>
+        <a:font script="Yiii" typeface="Microsoft Yi Baiti"/>
+        <a:font script="Tibt" typeface="Microsoft Himalaya"/>
+        <a:font script="Thaa" typeface="MV Boli"/>
+        <a:font script="Deva" typeface="Mangal"/>
+        <a:font script="Telu" typeface="Gautami"/>
+        <a:font script="Taml" typeface="Latha"/>
+        <a:font script="Syrc" typeface="Estrangelo Edessa"/>
+        <a:font script="Orya" typeface="Kalinga"/>
+        <a:font script="Mlym" typeface="Kartika"/>
+        <a:font script="Laoo" typeface="DokChampa"/>
+        <a:font script="Sinh" typeface="Iskoola Pota"/>
+        <a:font script="Mong" typeface="Mongolian Baiti"/>
+        <a:font script="Viet" typeface="Arial"/>
+        <a:font script="Uigh" typeface="Microsoft Uighur"/>
+        <a:font script="Geor" typeface="Sylfaen"/>
+        <a:font script="Armn" typeface="Arial"/>
+        <a:font script="Bugi" typeface="Leelawadee UI"/>
+        <a:font script="Bopo" typeface="Microsoft JhengHei"/>
+        <a:font script="Java" typeface="Javanese Text"/>
+        <a:font script="Lisu" typeface="Segoe UI"/>
+        <a:font script="Mymr" typeface="Myanmar Text"/>
+        <a:font script="Nkoo" typeface="Ebrima"/>
+        <a:font script="Olck" typeface="Nirmala UI"/>
+        <a:font script="Osma" typeface="Ebrima"/>
+        <a:font script="Phag" typeface="Phagspa"/>
+        <a:font script="Syrn" typeface="Estrangelo Edessa"/>
+        <a:font script="Syrj" typeface="Estrangelo Edessa"/>
+        <a:font script="Syre" typeface="Estrangelo Edessa"/>
+        <a:font script="Sora" typeface="Nirmala UI"/>
+        <a:font script="Tale" typeface="Microsoft Tai Le"/>
+        <a:font script="Talu" typeface="Microsoft New Tai Lue"/>
+        <a:font script="Tfng" typeface="Ebrima"/>
+      </a:minorFont>
+    </a:fontScheme>
+    <a:fmtScheme name="Office">
+      <a:fillStyleLst>
+        <a:solidFill>
+          <a:schemeClr val="phClr"/>
+        </a:solidFill>
+        <a:gradFill rotWithShape="1">
+          <a:gsLst>
+            <a:gs pos="0">
+              <a:schemeClr val="phClr">
+                <a:lumMod val="110000"/>
+                <a:satMod val="105000"/>
+                <a:tint val="67000"/>
+              </a:schemeClr>
+            </a:gs>
+            <a:gs pos="50000">
+              <a:schemeClr val="phClr">
+                <a:lumMod val="105000"/>
+                <a:satMod val="103000"/>
+                <a:tint val="73000"/>
+              </a:schemeClr>
+            </a:gs>
+            <a:gs pos="100000">
+              <a:schemeClr val="phClr">
+                <a:lumMod val="105000"/>
+                <a:satMod val="109000"/>
+                <a:tint val="81000"/>
+              </a:schemeClr>
+            </a:gs>
+          </a:gsLst>
+          <a:lin ang="5400000" scaled="0"/>
+        </a:gradFill>
+        <a:gradFill rotWithShape="1">
+          <a:gsLst>
+            <a:gs pos="0">
+              <a:schemeClr val="phClr">
+                <a:satMod val="103000"/>
+                <a:lumMod val="102000"/>
+                <a:tint val="94000"/>
+              </a:schemeClr>
+            </a:gs>
+            <a:gs pos="50000">
+              <a:schemeClr val="phClr">
+                <a:satMod val="110000"/>
+                <a:lumMod val="100000"/>
+                <a:shade val="100000"/>
+              </a:schemeClr>
+            </a:gs>
+            <a:gs pos="100000">
+              <a:schemeClr val="phClr">
+                <a:lumMod val="99000"/>
+                <a:satMod val="120000"/>
+                <a:shade val="78000"/>
+              </a:schemeClr>
+            </a:gs>
+          </a:gsLst>
+          <a:lin ang="5400000" scaled="0"/>
+        </a:gradFill>
+      </a:fillStyleLst>
+      <a:lnStyleLst>
+        <a:ln w="12700" cap="flat" cmpd="sng" algn="ctr">
+          <a:solidFill>
+            <a:schemeClr val="phClr"/>
+          </a:solidFill>
+          <a:prstDash val="solid"/>
+          <a:miter lim="800000"/>
+        </a:ln>
+        <a:ln w="19050" cap="flat" cmpd="sng" algn="ctr">
+          <a:solidFill>
+            <a:schemeClr val="phClr"/>
+          </a:solidFill>
+          <a:prstDash val="solid"/>
+          <a:miter lim="800000"/>
+        </a:ln>
+        <a:ln w="25400" cap="flat" cmpd="sng" algn="ctr">
+          <a:solidFill>
+            <a:schemeClr val="phClr"/>
+          </a:solidFill>
+          <a:prstDash val="solid"/>
+          <a:miter lim="800000"/>
+        </a:ln>
+      </a:lnStyleLst>
+      <a:effectStyleLst>
+        <a:effectStyle>
+          <a:effectLst/>
+        </a:effectStyle>
+        <a:effectStyle>
+          <a:effectLst/>
+        </a:effectStyle>
+        <a:effectStyle>
+          <a:effectLst>
+            <a:outerShdw blurRad="57150" dist="19050" dir="5400000" algn="ctr" rotWithShape="0">
+              <a:srgbClr val="000000">
+                <a:alpha val="63000"/>
+              </a:srgbClr>
+            </a:outerShdw>
+          </a:effectLst>
+        </a:effectStyle>
+      </a:effectStyleLst>
+      <a:bgFillStyleLst>
+        <a:solidFill>
+          <a:schemeClr val="phClr"/>
+        </a:solidFill>
+        <a:solidFill>
+          <a:schemeClr val="phClr">
+            <a:tint val="95000"/>
+            <a:satMod val="170000"/>
+          </a:schemeClr>
+        </a:solidFill>
+        <a:gradFill rotWithShape="1">
+          <a:gsLst>
+            <a:gs pos="0">
+              <a:schemeClr val="phClr">
+                <a:tint val="93000"/>
+                <a:satMod val="150000"/>
+                <a:shade val="98000"/>
+                <a:lumMod val="102000"/>
+              </a:schemeClr>
+            </a:gs>
+            <a:gs pos="50000">
+              <a:schemeClr val="phClr">
+                <a:tint val="98000"/>
+                <a:satMod val="130000"/>
+                <a:shade val="90000"/>
+                <a:lumMod val="103000"/>
+              </a:schemeClr>
+            </a:gs>
+            <a:gs pos="100000">
+              <a:schemeClr val="phClr">
+                <a:shade val="63000"/>
+                <a:satMod val="120000"/>
+              </a:schemeClr>
+            </a:gs>
+          </a:gsLst>
+          <a:lin ang="5400000" scaled="0"/>
+        </a:gradFill>
+      </a:bgFillStyleLst>
+    </a:fmtScheme>
+  </a:themeElements>
+  <a:objectDefaults>
+    <a:lnDef>
+      <a:spPr/>
+      <a:bodyPr/>
+      <a:lstStyle/>
+      <a:style>
+        <a:lnRef idx="2">
+          <a:schemeClr val="accent1"/>
+        </a:lnRef>
+        <a:fillRef idx="0">
+          <a:schemeClr val="accent1"/>
+        </a:fillRef>
+        <a:effectRef idx="1">
+          <a:schemeClr val="accent1"/>
+        </a:effectRef>
+        <a:fontRef idx="minor">
+          <a:schemeClr val="tx1"/>
+        </a:fontRef>
+      </a:style>
+    </a:lnDef>
+  </a:objectDefaults>
+  <a:extraClrSchemeLst/>
+  <a:extLst>
+    <a:ext uri="{05A4C25C-085E-4340-85A3-A5531E510DB2}">
+      <thm15:themeFamily xmlns:thm15="http://schemas.microsoft.com/office/thememl/2012/main" name="Office Theme" id="{2E142A2C-CD16-42D6-873A-C26D2A0506FA}" vid="{1BDDFF52-6CD6-40A5-AB3C-68EB2F1E4D0A}"/>
+    </a:ext>
+  </a:extLst>
+</a:theme>
 </file>